--- a/Smart Letter Box  (1).pptx
+++ b/Smart Letter Box  (1).pptx
@@ -15,10 +15,11 @@
     <p:sldId id="260" r:id="rId9"/>
     <p:sldId id="261" r:id="rId10"/>
     <p:sldId id="265" r:id="rId11"/>
-    <p:sldId id="262" r:id="rId12"/>
-    <p:sldId id="263" r:id="rId13"/>
-    <p:sldId id="264" r:id="rId14"/>
-    <p:sldId id="267" r:id="rId15"/>
+    <p:sldId id="270" r:id="rId12"/>
+    <p:sldId id="262" r:id="rId13"/>
+    <p:sldId id="263" r:id="rId14"/>
+    <p:sldId id="264" r:id="rId15"/>
+    <p:sldId id="267" r:id="rId16"/>
   </p:sldIdLst>
   <p:sldSz cx="12192000" cy="6858000"/>
   <p:notesSz cx="6858000" cy="9144000"/>
@@ -540,7 +541,7 @@
           <a:p>
             <a:fld id="{83284890-85D2-4D7B-8EF5-15A9C1DB8F42}" type="datetimeFigureOut">
               <a:rPr lang="en-US" dirty="0"/>
-              <a:t>2/28/2022</a:t>
+              <a:t>3/7/2022</a:t>
             </a:fld>
             <a:endParaRPr lang="en-US" dirty="0"/>
           </a:p>
@@ -715,7 +716,7 @@
           <a:p>
             <a:fld id="{87157CC2-0FC8-4686-B024-99790E0F5162}" type="datetimeFigureOut">
               <a:rPr lang="en-US" dirty="0"/>
-              <a:t>2/28/2022</a:t>
+              <a:t>3/7/2022</a:t>
             </a:fld>
             <a:endParaRPr lang="en-US" dirty="0"/>
           </a:p>
@@ -890,7 +891,7 @@
           <a:p>
             <a:fld id="{F6764DA5-CD3D-4590-A511-FCD3BC7A793E}" type="datetimeFigureOut">
               <a:rPr lang="en-US" dirty="0"/>
-              <a:t>2/28/2022</a:t>
+              <a:t>3/7/2022</a:t>
             </a:fld>
             <a:endParaRPr lang="en-US" dirty="0"/>
           </a:p>
@@ -1055,7 +1056,7 @@
           <a:p>
             <a:fld id="{82F5661D-6934-4B32-B92C-470368BF1EC6}" type="datetimeFigureOut">
               <a:rPr lang="en-US" dirty="0"/>
-              <a:t>2/28/2022</a:t>
+              <a:t>3/7/2022</a:t>
             </a:fld>
             <a:endParaRPr lang="en-US" dirty="0"/>
           </a:p>
@@ -1363,7 +1364,7 @@
           <a:p>
             <a:fld id="{C6F822A4-8DA6-4447-9B1F-C5DB58435268}" type="datetimeFigureOut">
               <a:rPr lang="en-US" dirty="0"/>
-              <a:t>2/28/2022</a:t>
+              <a:t>3/7/2022</a:t>
             </a:fld>
             <a:endParaRPr lang="en-US" dirty="0"/>
           </a:p>
@@ -1745,7 +1746,7 @@
           <a:p>
             <a:fld id="{E548D31E-DCDA-41A7-9C67-C4B11B94D21D}" type="datetimeFigureOut">
               <a:rPr lang="en-US" dirty="0"/>
-              <a:t>2/28/2022</a:t>
+              <a:t>3/7/2022</a:t>
             </a:fld>
             <a:endParaRPr lang="en-US" dirty="0"/>
           </a:p>
@@ -2174,7 +2175,7 @@
           <a:p>
             <a:fld id="{9B3762C0-B258-48F1-ADE6-176B4174CCDD}" type="datetimeFigureOut">
               <a:rPr lang="en-US" dirty="0"/>
-              <a:t>2/28/2022</a:t>
+              <a:t>3/7/2022</a:t>
             </a:fld>
             <a:endParaRPr lang="en-US" dirty="0"/>
           </a:p>
@@ -2287,7 +2288,7 @@
           <a:p>
             <a:fld id="{677919A6-33EB-49BD-A62F-1FA56B9F9712}" type="datetimeFigureOut">
               <a:rPr lang="en-US" dirty="0"/>
-              <a:t>2/28/2022</a:t>
+              <a:t>3/7/2022</a:t>
             </a:fld>
             <a:endParaRPr lang="en-US" dirty="0"/>
           </a:p>
@@ -2377,7 +2378,7 @@
           <a:p>
             <a:fld id="{CA4E7D1B-D673-4CF6-8672-009D42ABD2A0}" type="datetimeFigureOut">
               <a:rPr lang="en-US" dirty="0"/>
-              <a:t>2/28/2022</a:t>
+              <a:t>3/7/2022</a:t>
             </a:fld>
             <a:endParaRPr lang="en-US" dirty="0"/>
           </a:p>
@@ -2722,7 +2723,7 @@
           <a:p>
             <a:fld id="{DA16AA21-1863-4931-97CB-99D0A168701B}" type="datetimeFigureOut">
               <a:rPr lang="en-US" dirty="0"/>
-              <a:t>2/28/2022</a:t>
+              <a:t>3/7/2022</a:t>
             </a:fld>
             <a:endParaRPr lang="en-US" dirty="0"/>
           </a:p>
@@ -3142,7 +3143,7 @@
           <a:p>
             <a:fld id="{3772C379-9A7C-4C87-A116-CBE9F58B04C5}" type="datetimeFigureOut">
               <a:rPr lang="en-US" dirty="0"/>
-              <a:t>2/28/2022</a:t>
+              <a:t>3/7/2022</a:t>
             </a:fld>
             <a:endParaRPr lang="en-US" dirty="0"/>
           </a:p>
@@ -3418,7 +3419,7 @@
           <a:p>
             <a:fld id="{8664C608-40B1-4030-A28D-5B74BC98ADCE}" type="datetimeFigureOut">
               <a:rPr lang="en-US" dirty="0"/>
-              <a:t>2/28/2022</a:t>
+              <a:t>3/7/2022</a:t>
             </a:fld>
             <a:endParaRPr lang="en-US" dirty="0"/>
           </a:p>
@@ -4008,7 +4009,15 @@
           <a:p>
             <a:r>
               <a:rPr lang="en-US" dirty="0"/>
-              <a:t>Smart Letter Box</a:t>
+              <a:t>Smart </a:t>
+            </a:r>
+            <a:r>
+              <a:rPr lang="en-US" dirty="0" smtClean="0"/>
+              <a:t>Delivery </a:t>
+            </a:r>
+            <a:r>
+              <a:rPr lang="en-US" dirty="0"/>
+              <a:t>Box</a:t>
             </a:r>
           </a:p>
         </p:txBody>
@@ -4178,18 +4187,32 @@
         </p:nvSpPr>
         <p:spPr>
           <a:xfrm>
-            <a:off x="976745" y="484632"/>
-            <a:ext cx="10151503" cy="1458468"/>
+            <a:off x="655469" y="476393"/>
+            <a:ext cx="4015385" cy="1764299"/>
           </a:xfrm>
         </p:spPr>
         <p:txBody>
-          <a:bodyPr/>
+          <a:bodyPr>
+            <a:normAutofit fontScale="90000"/>
+          </a:bodyPr>
           <a:lstStyle/>
           <a:p>
             <a:r>
               <a:rPr lang="en-US" dirty="0"/>
-              <a:t>Software Flow</a:t>
-            </a:r>
+              <a:t>Software </a:t>
+            </a:r>
+            <a:r>
+              <a:rPr lang="en-US" dirty="0" smtClean="0"/>
+              <a:t>Flow</a:t>
+            </a:r>
+            <a:br>
+              <a:rPr lang="en-US" dirty="0" smtClean="0"/>
+            </a:br>
+            <a:r>
+              <a:rPr lang="en-US" dirty="0" smtClean="0"/>
+              <a:t> 1/2</a:t>
+            </a:r>
+            <a:endParaRPr lang="en-US" dirty="0"/>
           </a:p>
         </p:txBody>
       </p:sp>
@@ -4259,92 +4282,61 @@
             <p:ph type="title"/>
           </p:nvPr>
         </p:nvSpPr>
-        <p:spPr/>
-        <p:txBody>
-          <a:bodyPr/>
+        <p:spPr>
+          <a:xfrm>
+            <a:off x="633244" y="608200"/>
+            <a:ext cx="2604228" cy="1609344"/>
+          </a:xfrm>
+        </p:spPr>
+        <p:txBody>
+          <a:bodyPr>
+            <a:normAutofit fontScale="90000"/>
+          </a:bodyPr>
           <a:lstStyle/>
           <a:p>
             <a:r>
-              <a:rPr lang="en-US" dirty="0"/>
-              <a:t>Hardware</a:t>
-            </a:r>
-          </a:p>
-        </p:txBody>
-      </p:sp>
-      <p:sp>
-        <p:nvSpPr>
-          <p:cNvPr id="3" name="Content Placeholder 2"/>
-          <p:cNvSpPr>
-            <a:spLocks noGrp="1"/>
-          </p:cNvSpPr>
-          <p:nvPr>
-            <p:ph idx="1"/>
-          </p:nvPr>
-        </p:nvSpPr>
-        <p:spPr/>
-        <p:txBody>
-          <a:bodyPr/>
-          <a:lstStyle/>
-          <a:p>
-            <a:pPr marL="0" indent="0">
-              <a:buNone/>
-            </a:pPr>
-            <a:r>
-              <a:rPr lang="en-US" dirty="0"/>
-              <a:t>The main hardware components used in project are</a:t>
-            </a:r>
-          </a:p>
-          <a:p>
-            <a:r>
-              <a:rPr lang="en-US" dirty="0"/>
-              <a:t>MCU: ESP32 </a:t>
-            </a:r>
-          </a:p>
-          <a:p>
-            <a:r>
-              <a:rPr lang="en-US" dirty="0"/>
-              <a:t>Location (GPS): GPS Module NEO 6M</a:t>
-            </a:r>
-          </a:p>
-          <a:p>
-            <a:r>
-              <a:rPr lang="en-US" dirty="0"/>
-              <a:t>Connectivity: ESP32 built-in Wi-Fi &amp; GSM Module SIM800L</a:t>
-            </a:r>
-          </a:p>
-          <a:p>
-            <a:r>
-              <a:rPr lang="en-US" dirty="0"/>
-              <a:t>Display: 16*2 LCD</a:t>
-            </a:r>
-          </a:p>
-          <a:p>
-            <a:r>
-              <a:rPr lang="en-US" dirty="0"/>
-              <a:t>Keypad: Hex Keypad </a:t>
-            </a:r>
-          </a:p>
-          <a:p>
-            <a:r>
-              <a:rPr lang="en-US" dirty="0"/>
-              <a:t>Electric Lock: Servo Motor </a:t>
-            </a:r>
-          </a:p>
-          <a:p>
-            <a:r>
-              <a:rPr lang="en-US" dirty="0"/>
-              <a:t>Weight: Half Bridge Load HX711 </a:t>
-            </a:r>
-          </a:p>
-          <a:p>
+              <a:rPr lang="en-US" dirty="0" smtClean="0"/>
+              <a:t>Software</a:t>
+            </a:r>
+            <a:br>
+              <a:rPr lang="en-US" dirty="0" smtClean="0"/>
+            </a:br>
+            <a:r>
+              <a:rPr lang="en-US" dirty="0" smtClean="0"/>
+              <a:t> Flow 2/2</a:t>
+            </a:r>
             <a:endParaRPr lang="en-US" dirty="0"/>
           </a:p>
         </p:txBody>
       </p:sp>
+      <p:pic>
+        <p:nvPicPr>
+          <p:cNvPr id="4" name="Picture 3"/>
+          <p:cNvPicPr>
+            <a:picLocks noChangeAspect="1"/>
+          </p:cNvPicPr>
+          <p:nvPr/>
+        </p:nvPicPr>
+        <p:blipFill>
+          <a:blip r:embed="rId2"/>
+          <a:stretch>
+            <a:fillRect/>
+          </a:stretch>
+        </p:blipFill>
+        <p:spPr>
+          <a:xfrm>
+            <a:off x="3624649" y="587908"/>
+            <a:ext cx="8063556" cy="5508477"/>
+          </a:xfrm>
+          <a:prstGeom prst="rect">
+            <a:avLst/>
+          </a:prstGeom>
+        </p:spPr>
+      </p:pic>
     </p:spTree>
     <p:extLst>
       <p:ext uri="{BB962C8B-B14F-4D97-AF65-F5344CB8AC3E}">
-        <p14:creationId xmlns:p14="http://schemas.microsoft.com/office/powerpoint/2010/main" val="999771053"/>
+        <p14:creationId xmlns:p14="http://schemas.microsoft.com/office/powerpoint/2010/main" val="2838618784"/>
       </p:ext>
     </p:extLst>
   </p:cSld>
@@ -4381,19 +4373,14 @@
             <p:ph type="title"/>
           </p:nvPr>
         </p:nvSpPr>
-        <p:spPr>
-          <a:xfrm>
-            <a:off x="1069848" y="484632"/>
-            <a:ext cx="10058400" cy="1136350"/>
-          </a:xfrm>
-        </p:spPr>
+        <p:spPr/>
         <p:txBody>
           <a:bodyPr/>
           <a:lstStyle/>
           <a:p>
             <a:r>
               <a:rPr lang="en-US" dirty="0"/>
-              <a:t>Task distribution</a:t>
+              <a:t>Hardware</a:t>
             </a:r>
           </a:p>
         </p:txBody>
@@ -4408,172 +4395,75 @@
             <p:ph idx="1"/>
           </p:nvPr>
         </p:nvSpPr>
-        <p:spPr>
-          <a:xfrm>
-            <a:off x="1069848" y="1756064"/>
-            <a:ext cx="10058400" cy="4530436"/>
-          </a:xfrm>
-        </p:spPr>
-        <p:txBody>
-          <a:bodyPr>
-            <a:normAutofit fontScale="70000" lnSpcReduction="20000"/>
-          </a:bodyPr>
+        <p:spPr/>
+        <p:txBody>
+          <a:bodyPr/>
           <a:lstStyle/>
           <a:p>
-            <a:pPr>
-              <a:lnSpc>
-                <a:spcPct val="150000"/>
-              </a:lnSpc>
-              <a:buFont typeface="Wingdings" panose="05000000000000000000" pitchFamily="2" charset="2"/>
-              <a:buChar char="Ø"/>
+            <a:pPr marL="0" indent="0">
+              <a:buNone/>
             </a:pPr>
             <a:r>
-              <a:rPr lang="en-US" b="1" dirty="0"/>
-              <a:t>Ayesha Ali</a:t>
-            </a:r>
-          </a:p>
-          <a:p>
-            <a:pPr lvl="2">
-              <a:lnSpc>
-                <a:spcPct val="150000"/>
-              </a:lnSpc>
-            </a:pPr>
-            <a:r>
-              <a:rPr lang="en-US" sz="1700" dirty="0"/>
-              <a:t>Internet Connectivity (Wi-Fi/GSM)  {SW A1.1} </a:t>
-            </a:r>
-          </a:p>
-          <a:p>
-            <a:pPr lvl="2">
-              <a:lnSpc>
-                <a:spcPct val="150000"/>
-              </a:lnSpc>
-            </a:pPr>
-            <a:r>
-              <a:rPr lang="en-US" sz="1700" dirty="0"/>
-              <a:t>Display  {SW A1.2}</a:t>
-            </a:r>
-          </a:p>
-          <a:p>
-            <a:pPr lvl="2">
-              <a:lnSpc>
-                <a:spcPct val="150000"/>
-              </a:lnSpc>
-            </a:pPr>
-            <a:r>
-              <a:rPr lang="en-US" sz="1700" dirty="0"/>
-              <a:t>Hardware Configuration: ESP32, SIM800L and LCD 16*2 {HW A1.1}</a:t>
-            </a:r>
-          </a:p>
-          <a:p>
-            <a:pPr>
-              <a:lnSpc>
-                <a:spcPct val="150000"/>
-              </a:lnSpc>
-              <a:buFont typeface="Wingdings" panose="05000000000000000000" pitchFamily="2" charset="2"/>
-              <a:buChar char="Ø"/>
-            </a:pPr>
-            <a:r>
-              <a:rPr lang="en-US" b="1" dirty="0"/>
-              <a:t>Usama Azhar</a:t>
-            </a:r>
-          </a:p>
-          <a:p>
-            <a:pPr lvl="2">
-              <a:lnSpc>
-                <a:spcPct val="150000"/>
-              </a:lnSpc>
-            </a:pPr>
-            <a:r>
-              <a:rPr lang="en-US" sz="1700" dirty="0"/>
-              <a:t>Location (GPS) {SW B1.1}</a:t>
-            </a:r>
-          </a:p>
-          <a:p>
-            <a:pPr lvl="2">
-              <a:lnSpc>
-                <a:spcPct val="150000"/>
-              </a:lnSpc>
-            </a:pPr>
-            <a:r>
-              <a:rPr lang="en-US" sz="1700" dirty="0"/>
-              <a:t>NETPIE Server &amp; GUI {SW B1.2}</a:t>
-            </a:r>
-          </a:p>
-          <a:p>
-            <a:pPr lvl="2">
-              <a:lnSpc>
-                <a:spcPct val="150000"/>
-              </a:lnSpc>
-            </a:pPr>
-            <a:r>
-              <a:rPr lang="en-US" sz="1700" dirty="0"/>
-              <a:t>Hardware Configuration: ESP32 &amp; GPS Module NEO 6M {HW B1.1}</a:t>
-            </a:r>
-          </a:p>
-          <a:p>
-            <a:pPr>
-              <a:lnSpc>
-                <a:spcPct val="150000"/>
-              </a:lnSpc>
-              <a:buFont typeface="Wingdings" panose="05000000000000000000" pitchFamily="2" charset="2"/>
-              <a:buChar char="Ø"/>
-            </a:pPr>
-            <a:r>
-              <a:rPr lang="en-US" b="1" dirty="0"/>
-              <a:t>Abdul Wahab</a:t>
-            </a:r>
-          </a:p>
-          <a:p>
-            <a:pPr lvl="2">
-              <a:lnSpc>
-                <a:spcPct val="150000"/>
-              </a:lnSpc>
-            </a:pPr>
-            <a:r>
-              <a:rPr lang="en-US" sz="1700" dirty="0"/>
-              <a:t>Keypad  {SW C1.1}</a:t>
-            </a:r>
-          </a:p>
-          <a:p>
-            <a:pPr lvl="2">
-              <a:lnSpc>
-                <a:spcPct val="150000"/>
-              </a:lnSpc>
-            </a:pPr>
-            <a:r>
-              <a:rPr lang="en-US" sz="1700" dirty="0"/>
-              <a:t>Electric Lock (Password Protected)  {SW C1.2}</a:t>
-            </a:r>
-          </a:p>
-          <a:p>
-            <a:pPr lvl="2">
-              <a:lnSpc>
-                <a:spcPct val="150000"/>
-              </a:lnSpc>
-            </a:pPr>
-            <a:r>
-              <a:rPr lang="en-US" sz="1700" dirty="0"/>
-              <a:t>Weight {SW C1.3}</a:t>
-            </a:r>
-          </a:p>
-          <a:p>
-            <a:pPr lvl="2">
-              <a:lnSpc>
-                <a:spcPct val="150000"/>
-              </a:lnSpc>
-            </a:pPr>
-            <a:r>
-              <a:rPr lang="en-US" sz="1700" dirty="0"/>
-              <a:t>Hardware Configuration: ESP32, Hex Keypad &amp; Half Bridge Load Cell HX711 {HW C1.1}</a:t>
-            </a:r>
+              <a:rPr lang="en-US" dirty="0"/>
+              <a:t>The main hardware components used in project are</a:t>
+            </a:r>
+          </a:p>
+          <a:p>
+            <a:r>
+              <a:rPr lang="en-US" dirty="0"/>
+              <a:t>MCU: ESP32 </a:t>
+            </a:r>
+          </a:p>
+          <a:p>
+            <a:r>
+              <a:rPr lang="en-US" dirty="0"/>
+              <a:t>Location (GPS): GPS Module NEO </a:t>
+            </a:r>
+            <a:r>
+              <a:rPr lang="en-US" dirty="0" smtClean="0"/>
+              <a:t>6M </a:t>
+            </a:r>
+            <a:endParaRPr lang="en-US" dirty="0"/>
+          </a:p>
+          <a:p>
+            <a:r>
+              <a:rPr lang="en-US" dirty="0"/>
+              <a:t>Connectivity: ESP32 built-in Wi-Fi &amp; GSM Module SIM800L</a:t>
+            </a:r>
+          </a:p>
+          <a:p>
+            <a:r>
+              <a:rPr lang="en-US" dirty="0"/>
+              <a:t>Display: 16*2 LCD</a:t>
+            </a:r>
+          </a:p>
+          <a:p>
+            <a:r>
+              <a:rPr lang="en-US" dirty="0"/>
+              <a:t>Keypad: Hex Keypad </a:t>
+            </a:r>
+          </a:p>
+          <a:p>
+            <a:r>
+              <a:rPr lang="en-US" dirty="0"/>
+              <a:t>Electric Lock: Servo Motor </a:t>
+            </a:r>
+          </a:p>
+          <a:p>
+            <a:r>
+              <a:rPr lang="en-US" dirty="0"/>
+              <a:t>Weight: Half Bridge Load HX711 </a:t>
+            </a:r>
+          </a:p>
+          <a:p>
+            <a:endParaRPr lang="en-US" dirty="0"/>
           </a:p>
         </p:txBody>
       </p:sp>
     </p:spTree>
     <p:extLst>
       <p:ext uri="{BB962C8B-B14F-4D97-AF65-F5344CB8AC3E}">
-        <p14:creationId xmlns:p14="http://schemas.microsoft.com/office/powerpoint/2010/main" val="732706773"/>
+        <p14:creationId xmlns:p14="http://schemas.microsoft.com/office/powerpoint/2010/main" val="999771053"/>
       </p:ext>
     </p:extLst>
   </p:cSld>
@@ -4612,6 +4502,314 @@
         </p:nvSpPr>
         <p:spPr>
           <a:xfrm>
+            <a:off x="1069848" y="484632"/>
+            <a:ext cx="10058400" cy="1136350"/>
+          </a:xfrm>
+        </p:spPr>
+        <p:txBody>
+          <a:bodyPr/>
+          <a:lstStyle/>
+          <a:p>
+            <a:r>
+              <a:rPr lang="en-US" dirty="0"/>
+              <a:t>Task distribution</a:t>
+            </a:r>
+          </a:p>
+        </p:txBody>
+      </p:sp>
+      <p:sp>
+        <p:nvSpPr>
+          <p:cNvPr id="3" name="Content Placeholder 2"/>
+          <p:cNvSpPr>
+            <a:spLocks noGrp="1"/>
+          </p:cNvSpPr>
+          <p:nvPr>
+            <p:ph idx="1"/>
+          </p:nvPr>
+        </p:nvSpPr>
+        <p:spPr>
+          <a:xfrm>
+            <a:off x="1069848" y="1756064"/>
+            <a:ext cx="10058400" cy="4530436"/>
+          </a:xfrm>
+        </p:spPr>
+        <p:txBody>
+          <a:bodyPr>
+            <a:normAutofit fontScale="70000" lnSpcReduction="20000"/>
+          </a:bodyPr>
+          <a:lstStyle/>
+          <a:p>
+            <a:pPr>
+              <a:lnSpc>
+                <a:spcPct val="150000"/>
+              </a:lnSpc>
+              <a:buFont typeface="Wingdings" panose="05000000000000000000" pitchFamily="2" charset="2"/>
+              <a:buChar char="Ø"/>
+            </a:pPr>
+            <a:r>
+              <a:rPr lang="en-US" b="1" dirty="0"/>
+              <a:t>Ayesha </a:t>
+            </a:r>
+            <a:r>
+              <a:rPr lang="en-US" b="1" dirty="0" smtClean="0"/>
+              <a:t>Ali </a:t>
+            </a:r>
+            <a:endParaRPr lang="en-US" b="1" dirty="0"/>
+          </a:p>
+          <a:p>
+            <a:pPr lvl="2">
+              <a:lnSpc>
+                <a:spcPct val="150000"/>
+              </a:lnSpc>
+            </a:pPr>
+            <a:r>
+              <a:rPr lang="en-US" sz="1700" dirty="0"/>
+              <a:t>Real time location tracking through </a:t>
+            </a:r>
+            <a:r>
+              <a:rPr lang="en-US" sz="1700" dirty="0" smtClean="0"/>
+              <a:t>GPS {SW </a:t>
+            </a:r>
+            <a:r>
+              <a:rPr lang="en-US" sz="1700" dirty="0"/>
+              <a:t>A1.1} </a:t>
+            </a:r>
+          </a:p>
+          <a:p>
+            <a:pPr lvl="2">
+              <a:lnSpc>
+                <a:spcPct val="150000"/>
+              </a:lnSpc>
+            </a:pPr>
+            <a:r>
+              <a:rPr lang="en-US" sz="1700" dirty="0"/>
+              <a:t>Real time location tracking </a:t>
+            </a:r>
+            <a:r>
+              <a:rPr lang="en-US" sz="1700" dirty="0" smtClean="0"/>
+              <a:t>through </a:t>
+            </a:r>
+            <a:r>
+              <a:rPr lang="en-US" sz="1700" dirty="0" smtClean="0"/>
+              <a:t>GSM  </a:t>
+            </a:r>
+            <a:r>
+              <a:rPr lang="en-US" sz="1700" dirty="0"/>
+              <a:t>{SW A1.2}</a:t>
+            </a:r>
+          </a:p>
+          <a:p>
+            <a:pPr lvl="2">
+              <a:lnSpc>
+                <a:spcPct val="150000"/>
+              </a:lnSpc>
+            </a:pPr>
+            <a:r>
+              <a:rPr lang="en-US" sz="1700" dirty="0"/>
+              <a:t>Hardware Configuration: ESP32, SIM800L and LCD 16*2 {HW A1.1}</a:t>
+            </a:r>
+          </a:p>
+          <a:p>
+            <a:pPr>
+              <a:lnSpc>
+                <a:spcPct val="150000"/>
+              </a:lnSpc>
+              <a:buFont typeface="Wingdings" panose="05000000000000000000" pitchFamily="2" charset="2"/>
+              <a:buChar char="Ø"/>
+            </a:pPr>
+            <a:r>
+              <a:rPr lang="en-US" b="1" dirty="0" err="1"/>
+              <a:t>Usama</a:t>
+            </a:r>
+            <a:r>
+              <a:rPr lang="en-US" b="1" dirty="0"/>
+              <a:t> </a:t>
+            </a:r>
+            <a:r>
+              <a:rPr lang="en-US" b="1" dirty="0" err="1" smtClean="0"/>
+              <a:t>Azhar</a:t>
+            </a:r>
+            <a:r>
+              <a:rPr lang="en-US" b="1" dirty="0" smtClean="0"/>
+              <a:t> (real time tracking)</a:t>
+            </a:r>
+            <a:endParaRPr lang="en-US" b="1" dirty="0"/>
+          </a:p>
+          <a:p>
+            <a:pPr lvl="2">
+              <a:lnSpc>
+                <a:spcPct val="150000"/>
+              </a:lnSpc>
+            </a:pPr>
+            <a:r>
+              <a:rPr lang="en-US" sz="1700" dirty="0" smtClean="0"/>
+              <a:t>Mobile app control {SW </a:t>
+            </a:r>
+            <a:r>
+              <a:rPr lang="en-US" sz="1700" dirty="0"/>
+              <a:t>B1.1}</a:t>
+            </a:r>
+          </a:p>
+          <a:p>
+            <a:pPr lvl="2">
+              <a:lnSpc>
+                <a:spcPct val="150000"/>
+              </a:lnSpc>
+            </a:pPr>
+            <a:r>
+              <a:rPr lang="en-US" sz="1700" dirty="0" smtClean="0"/>
+              <a:t> Display of information on box {SW </a:t>
+            </a:r>
+            <a:r>
+              <a:rPr lang="en-US" sz="1700" dirty="0"/>
+              <a:t>B1.2}</a:t>
+            </a:r>
+          </a:p>
+          <a:p>
+            <a:pPr lvl="2">
+              <a:lnSpc>
+                <a:spcPct val="150000"/>
+              </a:lnSpc>
+            </a:pPr>
+            <a:r>
+              <a:rPr lang="en-US" sz="1700" dirty="0"/>
+              <a:t>Hardware Configuration: ESP32 &amp; GPS Module NEO 6M {HW B1.1}</a:t>
+            </a:r>
+          </a:p>
+          <a:p>
+            <a:pPr>
+              <a:lnSpc>
+                <a:spcPct val="150000"/>
+              </a:lnSpc>
+              <a:buFont typeface="Wingdings" panose="05000000000000000000" pitchFamily="2" charset="2"/>
+              <a:buChar char="Ø"/>
+            </a:pPr>
+            <a:r>
+              <a:rPr lang="en-US" b="1" dirty="0"/>
+              <a:t>Abdul </a:t>
+            </a:r>
+            <a:r>
+              <a:rPr lang="en-US" b="1" dirty="0" err="1" smtClean="0"/>
+              <a:t>Wahab</a:t>
+            </a:r>
+            <a:r>
+              <a:rPr lang="en-US" b="1" dirty="0" smtClean="0"/>
+              <a:t> (lock system)</a:t>
+            </a:r>
+            <a:endParaRPr lang="en-US" b="1" dirty="0"/>
+          </a:p>
+          <a:p>
+            <a:pPr lvl="2">
+              <a:lnSpc>
+                <a:spcPct val="150000"/>
+              </a:lnSpc>
+            </a:pPr>
+            <a:r>
+              <a:rPr lang="en-US" sz="1700" dirty="0"/>
+              <a:t>Electric lock operated using MCU controlled </a:t>
+            </a:r>
+            <a:r>
+              <a:rPr lang="en-US" sz="1700" dirty="0" smtClean="0"/>
+              <a:t>switches, through app and keypad  </a:t>
+            </a:r>
+            <a:r>
+              <a:rPr lang="en-US" sz="1700" dirty="0"/>
+              <a:t>{SW C1.1}</a:t>
+            </a:r>
+          </a:p>
+          <a:p>
+            <a:pPr lvl="2">
+              <a:lnSpc>
+                <a:spcPct val="150000"/>
+              </a:lnSpc>
+            </a:pPr>
+            <a:r>
+              <a:rPr lang="en-US" sz="1700" dirty="0"/>
+              <a:t>Max number of wrong attempts detection and disable unlock</a:t>
+            </a:r>
+            <a:r>
+              <a:rPr lang="en-US" sz="1200" dirty="0"/>
+              <a:t>. </a:t>
+            </a:r>
+            <a:r>
+              <a:rPr lang="en-US" sz="1700" dirty="0" smtClean="0"/>
+              <a:t>SW </a:t>
+            </a:r>
+            <a:r>
+              <a:rPr lang="en-US" sz="1700" dirty="0"/>
+              <a:t>C1.2}</a:t>
+            </a:r>
+          </a:p>
+          <a:p>
+            <a:pPr lvl="2">
+              <a:lnSpc>
+                <a:spcPct val="150000"/>
+              </a:lnSpc>
+            </a:pPr>
+            <a:r>
+              <a:rPr lang="en-US" sz="1700" dirty="0" smtClean="0"/>
+              <a:t>Update Server and app </a:t>
+            </a:r>
+            <a:r>
+              <a:rPr lang="en-US" sz="1700" dirty="0"/>
+              <a:t>notifications and warnings {SW C1.3}</a:t>
+            </a:r>
+          </a:p>
+          <a:p>
+            <a:pPr lvl="2">
+              <a:lnSpc>
+                <a:spcPct val="150000"/>
+              </a:lnSpc>
+            </a:pPr>
+            <a:r>
+              <a:rPr lang="en-US" sz="1700" dirty="0"/>
+              <a:t>Hardware Configuration: ESP32, Hex Keypad &amp; Half Bridge Load Cell HX711 {HW C1.1}</a:t>
+            </a:r>
+          </a:p>
+        </p:txBody>
+      </p:sp>
+    </p:spTree>
+    <p:extLst>
+      <p:ext uri="{BB962C8B-B14F-4D97-AF65-F5344CB8AC3E}">
+        <p14:creationId xmlns:p14="http://schemas.microsoft.com/office/powerpoint/2010/main" val="732706773"/>
+      </p:ext>
+    </p:extLst>
+  </p:cSld>
+  <p:clrMapOvr>
+    <a:masterClrMapping/>
+  </p:clrMapOvr>
+</p:sld>
+</file>
+
+<file path=ppt/slides/slide14.xml><?xml version="1.0" encoding="utf-8"?>
+<p:sld xmlns:a="http://schemas.openxmlformats.org/drawingml/2006/main" xmlns:r="http://schemas.openxmlformats.org/officeDocument/2006/relationships" xmlns:p="http://schemas.openxmlformats.org/presentationml/2006/main">
+  <p:cSld>
+    <p:spTree>
+      <p:nvGrpSpPr>
+        <p:cNvPr id="1" name=""/>
+        <p:cNvGrpSpPr/>
+        <p:nvPr/>
+      </p:nvGrpSpPr>
+      <p:grpSpPr>
+        <a:xfrm>
+          <a:off x="0" y="0"/>
+          <a:ext cx="0" cy="0"/>
+          <a:chOff x="0" y="0"/>
+          <a:chExt cx="0" cy="0"/>
+        </a:xfrm>
+      </p:grpSpPr>
+      <p:sp>
+        <p:nvSpPr>
+          <p:cNvPr id="2" name="Title 1"/>
+          <p:cNvSpPr>
+            <a:spLocks noGrp="1"/>
+          </p:cNvSpPr>
+          <p:nvPr>
+            <p:ph type="title"/>
+          </p:nvPr>
+        </p:nvSpPr>
+        <p:spPr>
+          <a:xfrm>
             <a:off x="1069975" y="110558"/>
             <a:ext cx="10058400" cy="1074005"/>
           </a:xfrm>
@@ -4656,63 +4854,63 @@
                 <a:gridCol w="2011680">
                   <a:extLst>
                     <a:ext uri="{9D8B030D-6E8A-4147-A177-3AD203B41FA5}">
-                      <a16:colId xmlns:a16="http://schemas.microsoft.com/office/drawing/2014/main" val="20000"/>
+                      <a16:colId xmlns="" xmlns:a16="http://schemas.microsoft.com/office/drawing/2014/main" val="20000"/>
                     </a:ext>
                   </a:extLst>
                 </a:gridCol>
                 <a:gridCol w="1005840">
                   <a:extLst>
                     <a:ext uri="{9D8B030D-6E8A-4147-A177-3AD203B41FA5}">
-                      <a16:colId xmlns:a16="http://schemas.microsoft.com/office/drawing/2014/main" val="20001"/>
+                      <a16:colId xmlns="" xmlns:a16="http://schemas.microsoft.com/office/drawing/2014/main" val="20001"/>
                     </a:ext>
                   </a:extLst>
                 </a:gridCol>
                 <a:gridCol w="1005840">
                   <a:extLst>
                     <a:ext uri="{9D8B030D-6E8A-4147-A177-3AD203B41FA5}">
-                      <a16:colId xmlns:a16="http://schemas.microsoft.com/office/drawing/2014/main" val="20002"/>
+                      <a16:colId xmlns="" xmlns:a16="http://schemas.microsoft.com/office/drawing/2014/main" val="20002"/>
                     </a:ext>
                   </a:extLst>
                 </a:gridCol>
                 <a:gridCol w="1005840">
                   <a:extLst>
                     <a:ext uri="{9D8B030D-6E8A-4147-A177-3AD203B41FA5}">
-                      <a16:colId xmlns:a16="http://schemas.microsoft.com/office/drawing/2014/main" val="20003"/>
+                      <a16:colId xmlns="" xmlns:a16="http://schemas.microsoft.com/office/drawing/2014/main" val="20003"/>
                     </a:ext>
                   </a:extLst>
                 </a:gridCol>
                 <a:gridCol w="1005840">
                   <a:extLst>
                     <a:ext uri="{9D8B030D-6E8A-4147-A177-3AD203B41FA5}">
-                      <a16:colId xmlns:a16="http://schemas.microsoft.com/office/drawing/2014/main" val="20004"/>
+                      <a16:colId xmlns="" xmlns:a16="http://schemas.microsoft.com/office/drawing/2014/main" val="20004"/>
                     </a:ext>
                   </a:extLst>
                 </a:gridCol>
                 <a:gridCol w="1005840">
                   <a:extLst>
                     <a:ext uri="{9D8B030D-6E8A-4147-A177-3AD203B41FA5}">
-                      <a16:colId xmlns:a16="http://schemas.microsoft.com/office/drawing/2014/main" val="20005"/>
+                      <a16:colId xmlns="" xmlns:a16="http://schemas.microsoft.com/office/drawing/2014/main" val="20005"/>
                     </a:ext>
                   </a:extLst>
                 </a:gridCol>
                 <a:gridCol w="1005840">
                   <a:extLst>
                     <a:ext uri="{9D8B030D-6E8A-4147-A177-3AD203B41FA5}">
-                      <a16:colId xmlns:a16="http://schemas.microsoft.com/office/drawing/2014/main" val="20006"/>
+                      <a16:colId xmlns="" xmlns:a16="http://schemas.microsoft.com/office/drawing/2014/main" val="20006"/>
                     </a:ext>
                   </a:extLst>
                 </a:gridCol>
                 <a:gridCol w="1005840">
                   <a:extLst>
                     <a:ext uri="{9D8B030D-6E8A-4147-A177-3AD203B41FA5}">
-                      <a16:colId xmlns:a16="http://schemas.microsoft.com/office/drawing/2014/main" val="20007"/>
+                      <a16:colId xmlns="" xmlns:a16="http://schemas.microsoft.com/office/drawing/2014/main" val="20007"/>
                     </a:ext>
                   </a:extLst>
                 </a:gridCol>
                 <a:gridCol w="1005840">
                   <a:extLst>
                     <a:ext uri="{9D8B030D-6E8A-4147-A177-3AD203B41FA5}">
-                      <a16:colId xmlns:a16="http://schemas.microsoft.com/office/drawing/2014/main" val="20008"/>
+                      <a16:colId xmlns="" xmlns:a16="http://schemas.microsoft.com/office/drawing/2014/main" val="20008"/>
                     </a:ext>
                   </a:extLst>
                 </a:gridCol>
@@ -4852,7 +5050,7 @@
                 </a:tc>
                 <a:extLst>
                   <a:ext uri="{0D108BD9-81ED-4DB2-BD59-A6C34878D82A}">
-                    <a16:rowId xmlns:a16="http://schemas.microsoft.com/office/drawing/2014/main" val="10000"/>
+                    <a16:rowId xmlns="" xmlns:a16="http://schemas.microsoft.com/office/drawing/2014/main" val="10000"/>
                   </a:ext>
                 </a:extLst>
               </a:tr>
@@ -5001,7 +5199,7 @@
                 </a:tc>
                 <a:extLst>
                   <a:ext uri="{0D108BD9-81ED-4DB2-BD59-A6C34878D82A}">
-                    <a16:rowId xmlns:a16="http://schemas.microsoft.com/office/drawing/2014/main" val="10001"/>
+                    <a16:rowId xmlns="" xmlns:a16="http://schemas.microsoft.com/office/drawing/2014/main" val="10001"/>
                   </a:ext>
                 </a:extLst>
               </a:tr>
@@ -5176,7 +5374,7 @@
                 </a:tc>
                 <a:extLst>
                   <a:ext uri="{0D108BD9-81ED-4DB2-BD59-A6C34878D82A}">
-                    <a16:rowId xmlns:a16="http://schemas.microsoft.com/office/drawing/2014/main" val="10002"/>
+                    <a16:rowId xmlns="" xmlns:a16="http://schemas.microsoft.com/office/drawing/2014/main" val="10002"/>
                   </a:ext>
                 </a:extLst>
               </a:tr>
@@ -5321,7 +5519,7 @@
                 </a:tc>
                 <a:extLst>
                   <a:ext uri="{0D108BD9-81ED-4DB2-BD59-A6C34878D82A}">
-                    <a16:rowId xmlns:a16="http://schemas.microsoft.com/office/drawing/2014/main" val="10003"/>
+                    <a16:rowId xmlns="" xmlns:a16="http://schemas.microsoft.com/office/drawing/2014/main" val="10003"/>
                   </a:ext>
                 </a:extLst>
               </a:tr>
@@ -5453,7 +5651,7 @@
                 </a:tc>
                 <a:extLst>
                   <a:ext uri="{0D108BD9-81ED-4DB2-BD59-A6C34878D82A}">
-                    <a16:rowId xmlns:a16="http://schemas.microsoft.com/office/drawing/2014/main" val="10004"/>
+                    <a16:rowId xmlns="" xmlns:a16="http://schemas.microsoft.com/office/drawing/2014/main" val="10004"/>
                   </a:ext>
                 </a:extLst>
               </a:tr>
@@ -5628,7 +5826,7 @@
                 </a:tc>
                 <a:extLst>
                   <a:ext uri="{0D108BD9-81ED-4DB2-BD59-A6C34878D82A}">
-                    <a16:rowId xmlns:a16="http://schemas.microsoft.com/office/drawing/2014/main" val="10005"/>
+                    <a16:rowId xmlns="" xmlns:a16="http://schemas.microsoft.com/office/drawing/2014/main" val="10005"/>
                   </a:ext>
                 </a:extLst>
               </a:tr>
@@ -5801,7 +5999,7 @@
                 </a:tc>
                 <a:extLst>
                   <a:ext uri="{0D108BD9-81ED-4DB2-BD59-A6C34878D82A}">
-                    <a16:rowId xmlns:a16="http://schemas.microsoft.com/office/drawing/2014/main" val="10006"/>
+                    <a16:rowId xmlns="" xmlns:a16="http://schemas.microsoft.com/office/drawing/2014/main" val="10006"/>
                   </a:ext>
                 </a:extLst>
               </a:tr>
@@ -5936,7 +6134,7 @@
                 </a:tc>
                 <a:extLst>
                   <a:ext uri="{0D108BD9-81ED-4DB2-BD59-A6C34878D82A}">
-                    <a16:rowId xmlns:a16="http://schemas.microsoft.com/office/drawing/2014/main" val="10007"/>
+                    <a16:rowId xmlns="" xmlns:a16="http://schemas.microsoft.com/office/drawing/2014/main" val="10007"/>
                   </a:ext>
                 </a:extLst>
               </a:tr>
@@ -6106,7 +6304,7 @@
                 </a:tc>
                 <a:extLst>
                   <a:ext uri="{0D108BD9-81ED-4DB2-BD59-A6C34878D82A}">
-                    <a16:rowId xmlns:a16="http://schemas.microsoft.com/office/drawing/2014/main" val="10008"/>
+                    <a16:rowId xmlns="" xmlns:a16="http://schemas.microsoft.com/office/drawing/2014/main" val="10008"/>
                   </a:ext>
                 </a:extLst>
               </a:tr>
@@ -6260,7 +6458,7 @@
                 </a:tc>
                 <a:extLst>
                   <a:ext uri="{0D108BD9-81ED-4DB2-BD59-A6C34878D82A}">
-                    <a16:rowId xmlns:a16="http://schemas.microsoft.com/office/drawing/2014/main" val="10009"/>
+                    <a16:rowId xmlns="" xmlns:a16="http://schemas.microsoft.com/office/drawing/2014/main" val="10009"/>
                   </a:ext>
                 </a:extLst>
               </a:tr>
@@ -6421,7 +6619,7 @@
                 </a:tc>
                 <a:extLst>
                   <a:ext uri="{0D108BD9-81ED-4DB2-BD59-A6C34878D82A}">
-                    <a16:rowId xmlns:a16="http://schemas.microsoft.com/office/drawing/2014/main" val="10010"/>
+                    <a16:rowId xmlns="" xmlns:a16="http://schemas.microsoft.com/office/drawing/2014/main" val="10010"/>
                   </a:ext>
                 </a:extLst>
               </a:tr>
@@ -6442,7 +6640,7 @@
 </p:sld>
 </file>
 
-<file path=ppt/slides/slide14.xml><?xml version="1.0" encoding="utf-8"?>
+<file path=ppt/slides/slide15.xml><?xml version="1.0" encoding="utf-8"?>
 <p:sld xmlns:a="http://schemas.openxmlformats.org/drawingml/2006/main" xmlns:r="http://schemas.openxmlformats.org/officeDocument/2006/relationships" xmlns:p="http://schemas.openxmlformats.org/presentationml/2006/main">
   <p:cSld>
     <p:spTree>
@@ -6560,7 +6758,15 @@
           <a:p>
             <a:r>
               <a:rPr lang="en-US" dirty="0"/>
-              <a:t>Smart Letter Box</a:t>
+              <a:t>Smart </a:t>
+            </a:r>
+            <a:r>
+              <a:rPr lang="en-US" dirty="0" smtClean="0"/>
+              <a:t>Delivery </a:t>
+            </a:r>
+            <a:r>
+              <a:rPr lang="en-US" dirty="0"/>
+              <a:t>Box</a:t>
             </a:r>
           </a:p>
           <a:p>
@@ -6645,7 +6851,15 @@
           <a:p>
             <a:r>
               <a:rPr lang="en-US" dirty="0"/>
-              <a:t>Smart letter box</a:t>
+              <a:t>Smart </a:t>
+            </a:r>
+            <a:r>
+              <a:rPr lang="en-US" dirty="0" smtClean="0"/>
+              <a:t>Delivery </a:t>
+            </a:r>
+            <a:r>
+              <a:rPr lang="en-US" dirty="0"/>
+              <a:t>box</a:t>
             </a:r>
           </a:p>
         </p:txBody>
@@ -6672,7 +6886,15 @@
           <a:p>
             <a:r>
               <a:rPr lang="en-US" dirty="0"/>
-              <a:t>Smart letter box is a secure letter box with </a:t>
+              <a:t>Smart </a:t>
+            </a:r>
+            <a:r>
+              <a:rPr lang="en-US" dirty="0" smtClean="0"/>
+              <a:t>delivery </a:t>
+            </a:r>
+            <a:r>
+              <a:rPr lang="en-US" dirty="0"/>
+              <a:t>box is a secure letter box with </a:t>
             </a:r>
           </a:p>
           <a:p>
@@ -6906,7 +7128,7 @@
           <p:cNvPr id="5" name="Content Placeholder 4">
             <a:extLst>
               <a:ext uri="{FF2B5EF4-FFF2-40B4-BE49-F238E27FC236}">
-                <a16:creationId xmlns:a16="http://schemas.microsoft.com/office/drawing/2014/main" id="{A53A745C-7DCF-478E-B7DC-E1D3C3DD15BF}"/>
+                <a16:creationId xmlns="" xmlns:a16="http://schemas.microsoft.com/office/drawing/2014/main" id="{A53A745C-7DCF-478E-B7DC-E1D3C3DD15BF}"/>
               </a:ext>
             </a:extLst>
           </p:cNvPr>
@@ -6922,7 +7144,7 @@
           <a:bodyPr/>
           <a:lstStyle/>
           <a:p>
-            <a:endParaRPr lang="en-PK" dirty="0"/>
+            <a:endParaRPr lang="x-none" dirty="0"/>
           </a:p>
         </p:txBody>
       </p:sp>
@@ -6931,7 +7153,7 @@
           <p:cNvPr id="7" name="Picture 6">
             <a:extLst>
               <a:ext uri="{FF2B5EF4-FFF2-40B4-BE49-F238E27FC236}">
-                <a16:creationId xmlns:a16="http://schemas.microsoft.com/office/drawing/2014/main" id="{DE7E559C-48DA-41E4-AE21-D7E6664B97CA}"/>
+                <a16:creationId xmlns="" xmlns:a16="http://schemas.microsoft.com/office/drawing/2014/main" id="{DE7E559C-48DA-41E4-AE21-D7E6664B97CA}"/>
               </a:ext>
             </a:extLst>
           </p:cNvPr>
@@ -7033,44 +7255,36 @@
             </a:pPr>
             <a:r>
               <a:rPr lang="en-US" dirty="0"/>
-              <a:t>The key features of the project includes</a:t>
-            </a:r>
-          </a:p>
-          <a:p>
-            <a:r>
-              <a:rPr lang="en-US" dirty="0"/>
-              <a:t>Internet Connectivity (Wi-Fi/GSM)</a:t>
-            </a:r>
-          </a:p>
-          <a:p>
-            <a:r>
-              <a:rPr lang="en-US" dirty="0"/>
-              <a:t>Location (GPS)</a:t>
-            </a:r>
-          </a:p>
-          <a:p>
-            <a:r>
-              <a:rPr lang="en-US" dirty="0"/>
-              <a:t>Display and Keypad</a:t>
-            </a:r>
-          </a:p>
-          <a:p>
-            <a:r>
-              <a:rPr lang="en-US" dirty="0"/>
-              <a:t>Electric Lock (Password Protected)</a:t>
-            </a:r>
-          </a:p>
-          <a:p>
-            <a:r>
-              <a:rPr lang="en-US" dirty="0"/>
-              <a:t>Weight </a:t>
-            </a:r>
-          </a:p>
-          <a:p>
-            <a:r>
-              <a:rPr lang="en-US" dirty="0"/>
-              <a:t>Battery Powered</a:t>
-            </a:r>
+              <a:t>The key features of the project </a:t>
+            </a:r>
+            <a:r>
+              <a:rPr lang="en-US" dirty="0" smtClean="0"/>
+              <a:t>includes</a:t>
+            </a:r>
+          </a:p>
+          <a:p>
+            <a:r>
+              <a:rPr lang="en-US" dirty="0" smtClean="0"/>
+              <a:t>Real time location tracking through internet connectivity.</a:t>
+            </a:r>
+          </a:p>
+          <a:p>
+            <a:r>
+              <a:rPr lang="en-US" dirty="0" smtClean="0"/>
+              <a:t>Password protected lock system implementation.</a:t>
+            </a:r>
+          </a:p>
+          <a:p>
+            <a:r>
+              <a:rPr lang="en-US" dirty="0" smtClean="0"/>
+              <a:t>Mobile app for control </a:t>
+            </a:r>
+          </a:p>
+          <a:p>
+            <a:pPr marL="0" indent="0">
+              <a:buNone/>
+            </a:pPr>
+            <a:endParaRPr lang="en-US" dirty="0"/>
           </a:p>
         </p:txBody>
       </p:sp>
@@ -7149,9 +7363,10 @@
               </a:lnSpc>
             </a:pPr>
             <a:r>
-              <a:rPr lang="en-US" dirty="0"/>
-              <a:t>Connectivity </a:t>
-            </a:r>
+              <a:rPr lang="en-US" dirty="0" smtClean="0"/>
+              <a:t>Real time location tracking </a:t>
+            </a:r>
+            <a:endParaRPr lang="en-US" dirty="0"/>
           </a:p>
           <a:p>
             <a:pPr lvl="2">
@@ -7162,8 +7377,8 @@
               <a:buChar char="o"/>
             </a:pPr>
             <a:r>
-              <a:rPr lang="en-US" sz="1800" dirty="0"/>
-              <a:t>Prefer Wi-Fi connection when available. </a:t>
+              <a:rPr lang="en-US" sz="1800" dirty="0" smtClean="0"/>
+              <a:t>GPS module in delivery box to fetch location data. </a:t>
             </a:r>
           </a:p>
           <a:p>
@@ -7175,9 +7390,10 @@
               <a:buChar char="o"/>
             </a:pPr>
             <a:r>
-              <a:rPr lang="en-US" sz="1800" dirty="0"/>
-              <a:t>GSM (3G) connection during transit and unviability of Wi-Fi.</a:t>
-            </a:r>
+              <a:rPr lang="en-US" sz="1800" dirty="0" smtClean="0"/>
+              <a:t>Internet connectivity for location data transfer to server.</a:t>
+            </a:r>
+            <a:endParaRPr lang="en-US" sz="1800" dirty="0"/>
           </a:p>
           <a:p>
             <a:pPr lvl="2">
@@ -7189,18 +7405,7 @@
             </a:pPr>
             <a:r>
               <a:rPr lang="en-US" sz="1800" dirty="0"/>
-              <a:t>Data transfer to cloud server after every x-time interval.</a:t>
-            </a:r>
-          </a:p>
-          <a:p>
-            <a:pPr>
-              <a:lnSpc>
-                <a:spcPct val="150000"/>
-              </a:lnSpc>
-            </a:pPr>
-            <a:r>
-              <a:rPr lang="en-US" dirty="0"/>
-              <a:t>Location</a:t>
+              <a:t>GSM (3G) connection during transit and unviability of Wi-Fi.</a:t>
             </a:r>
           </a:p>
           <a:p>
@@ -7213,7 +7418,7 @@
             </a:pPr>
             <a:r>
               <a:rPr lang="en-US" sz="1800" dirty="0"/>
-              <a:t>GPS location for tracking.</a:t>
+              <a:t>Data transfer to cloud server after every x-time interval.</a:t>
             </a:r>
           </a:p>
           <a:p>
@@ -7225,22 +7430,18 @@
               <a:buChar char="o"/>
             </a:pPr>
             <a:r>
+              <a:rPr lang="en-US" sz="1800" dirty="0" smtClean="0"/>
+              <a:t>GPS </a:t>
+            </a:r>
+            <a:r>
               <a:rPr lang="en-US" sz="1800" dirty="0"/>
-              <a:t>Latitude and longitude data.</a:t>
-            </a:r>
-          </a:p>
-          <a:p>
-            <a:pPr lvl="2">
-              <a:lnSpc>
-                <a:spcPct val="150000"/>
-              </a:lnSpc>
-              <a:buFont typeface="Courier New" panose="02070309020205020404" pitchFamily="49" charset="0"/>
-              <a:buChar char="o"/>
-            </a:pPr>
-            <a:r>
-              <a:rPr lang="en-US" sz="1800" dirty="0"/>
-              <a:t>Update in server if changed</a:t>
-            </a:r>
+              <a:t>location </a:t>
+            </a:r>
+            <a:r>
+              <a:rPr lang="en-US" sz="1800" dirty="0" smtClean="0"/>
+              <a:t>with accuracy --------.</a:t>
+            </a:r>
+            <a:endParaRPr lang="en-US" sz="1800" dirty="0"/>
           </a:p>
         </p:txBody>
       </p:sp>
@@ -7309,7 +7510,7 @@
         <p:spPr/>
         <p:txBody>
           <a:bodyPr>
-            <a:normAutofit lnSpcReduction="10000"/>
+            <a:normAutofit/>
           </a:bodyPr>
           <a:lstStyle/>
           <a:p>
@@ -7319,9 +7520,10 @@
               </a:lnSpc>
             </a:pPr>
             <a:r>
-              <a:rPr lang="en-US" dirty="0"/>
-              <a:t>Weight</a:t>
-            </a:r>
+              <a:rPr lang="en-US" dirty="0" smtClean="0"/>
+              <a:t>Lock System</a:t>
+            </a:r>
+            <a:endParaRPr lang="en-US" dirty="0"/>
           </a:p>
           <a:p>
             <a:pPr lvl="2">
@@ -7333,8 +7535,13 @@
             </a:pPr>
             <a:r>
               <a:rPr lang="en-US" sz="1800" dirty="0"/>
-              <a:t>Calibrated Load Cells inside box to measure parcel weight.</a:t>
-            </a:r>
+              <a:t>Electric lock operated using MCU controlled switches</a:t>
+            </a:r>
+            <a:r>
+              <a:rPr lang="en-US" sz="1800" dirty="0" smtClean="0"/>
+              <a:t>.</a:t>
+            </a:r>
+            <a:endParaRPr lang="en-US" sz="1800" dirty="0"/>
           </a:p>
           <a:p>
             <a:pPr lvl="2">
@@ -7346,7 +7553,11 @@
             </a:pPr>
             <a:r>
               <a:rPr lang="en-US" sz="1800" dirty="0"/>
-              <a:t>Weight data to cloud server and display.</a:t>
+              <a:t>Password implementation in software algorithm</a:t>
+            </a:r>
+            <a:r>
+              <a:rPr lang="en-US" sz="1800" dirty="0" smtClean="0"/>
+              <a:t>.</a:t>
             </a:r>
           </a:p>
           <a:p>
@@ -7358,19 +7569,8 @@
               <a:buChar char="o"/>
             </a:pPr>
             <a:r>
-              <a:rPr lang="en-US" sz="1800" dirty="0"/>
-              <a:t>Warning if exceeds max weight limit.</a:t>
-            </a:r>
-          </a:p>
-          <a:p>
-            <a:pPr>
-              <a:lnSpc>
-                <a:spcPct val="150000"/>
-              </a:lnSpc>
-            </a:pPr>
-            <a:r>
-              <a:rPr lang="en-US" dirty="0"/>
-              <a:t>Lock</a:t>
+              <a:rPr lang="en-US" sz="1800" dirty="0" smtClean="0"/>
+              <a:t>Unlock from user input from keypad.</a:t>
             </a:r>
           </a:p>
           <a:p>
@@ -7382,8 +7582,8 @@
               <a:buChar char="o"/>
             </a:pPr>
             <a:r>
-              <a:rPr lang="en-US" sz="1800" dirty="0"/>
-              <a:t>Electric lock operated using MCU controlled switches.</a:t>
+              <a:rPr lang="en-US" sz="1800" dirty="0" smtClean="0"/>
+              <a:t>Unlock from app.</a:t>
             </a:r>
           </a:p>
           <a:p>
@@ -7395,8 +7595,24 @@
               <a:buChar char="o"/>
             </a:pPr>
             <a:r>
+              <a:rPr lang="en-US" sz="1800" dirty="0" smtClean="0"/>
+              <a:t>Update </a:t>
+            </a:r>
+            <a:r>
               <a:rPr lang="en-US" sz="1800" dirty="0"/>
-              <a:t>Password implementation in software algorithm.</a:t>
+              <a:t>server </a:t>
+            </a:r>
+            <a:r>
+              <a:rPr lang="en-US" sz="1800" dirty="0" smtClean="0"/>
+              <a:t>with </a:t>
+            </a:r>
+            <a:r>
+              <a:rPr lang="en-US" sz="1800" dirty="0"/>
+              <a:t>lock </a:t>
+            </a:r>
+            <a:r>
+              <a:rPr lang="en-US" sz="1800" dirty="0" smtClean="0"/>
+              <a:t>status.</a:t>
             </a:r>
           </a:p>
           <a:p>
@@ -7408,8 +7624,21 @@
               <a:buChar char="o"/>
             </a:pPr>
             <a:r>
-              <a:rPr lang="en-US" sz="1800" dirty="0"/>
-              <a:t>Update server regarding lock status.</a:t>
+              <a:rPr lang="en-US" sz="1800" dirty="0" smtClean="0"/>
+              <a:t> Max number of wrong attempts detection and disable unlock.</a:t>
+            </a:r>
+          </a:p>
+          <a:p>
+            <a:pPr lvl="2">
+              <a:lnSpc>
+                <a:spcPct val="150000"/>
+              </a:lnSpc>
+              <a:buFont typeface="Courier New" panose="02070309020205020404" pitchFamily="49" charset="0"/>
+              <a:buChar char="o"/>
+            </a:pPr>
+            <a:r>
+              <a:rPr lang="en-US" sz="1800" dirty="0" smtClean="0"/>
+              <a:t>App notifications and warnings.</a:t>
             </a:r>
           </a:p>
           <a:p>
@@ -7481,7 +7710,9 @@
         </p:nvSpPr>
         <p:spPr/>
         <p:txBody>
-          <a:bodyPr/>
+          <a:bodyPr>
+            <a:normAutofit/>
+          </a:bodyPr>
           <a:lstStyle/>
           <a:p>
             <a:pPr>
@@ -7490,8 +7721,8 @@
               </a:lnSpc>
             </a:pPr>
             <a:r>
-              <a:rPr lang="en-US" dirty="0"/>
-              <a:t>Display and Keypad </a:t>
+              <a:rPr lang="en-US" dirty="0" smtClean="0"/>
+              <a:t>Mobile app control</a:t>
             </a:r>
           </a:p>
           <a:p>
@@ -7504,7 +7735,7 @@
             </a:pPr>
             <a:r>
               <a:rPr lang="en-US" sz="1800" dirty="0"/>
-              <a:t>LCD display for user instruction. </a:t>
+              <a:t>Control of lock system</a:t>
             </a:r>
           </a:p>
           <a:p>
@@ -7517,7 +7748,62 @@
             </a:pPr>
             <a:r>
               <a:rPr lang="en-US" sz="1800" dirty="0"/>
-              <a:t>Weight, location and status information on Display.</a:t>
+              <a:t>Providing real time </a:t>
+            </a:r>
+            <a:r>
+              <a:rPr lang="en-US" sz="1800" dirty="0" smtClean="0"/>
+              <a:t>tracking</a:t>
+            </a:r>
+            <a:endParaRPr lang="en-US" dirty="0" smtClean="0"/>
+          </a:p>
+          <a:p>
+            <a:pPr>
+              <a:lnSpc>
+                <a:spcPct val="150000"/>
+              </a:lnSpc>
+            </a:pPr>
+            <a:r>
+              <a:rPr lang="en-US" dirty="0"/>
+              <a:t>Display </a:t>
+            </a:r>
+            <a:r>
+              <a:rPr lang="en-US" dirty="0" smtClean="0"/>
+              <a:t> </a:t>
+            </a:r>
+            <a:endParaRPr lang="en-US" dirty="0"/>
+          </a:p>
+          <a:p>
+            <a:pPr lvl="2">
+              <a:lnSpc>
+                <a:spcPct val="150000"/>
+              </a:lnSpc>
+              <a:buFont typeface="Courier New" panose="02070309020205020404" pitchFamily="49" charset="0"/>
+              <a:buChar char="o"/>
+            </a:pPr>
+            <a:r>
+              <a:rPr lang="en-US" sz="1800" dirty="0"/>
+              <a:t>LCD display for user instruction. </a:t>
+            </a:r>
+          </a:p>
+          <a:p>
+            <a:pPr lvl="2">
+              <a:lnSpc>
+                <a:spcPct val="150000"/>
+              </a:lnSpc>
+              <a:buFont typeface="Courier New" panose="02070309020205020404" pitchFamily="49" charset="0"/>
+              <a:buChar char="o"/>
+            </a:pPr>
+            <a:r>
+              <a:rPr lang="en-US" sz="1800" dirty="0"/>
+              <a:t>L</a:t>
+            </a:r>
+            <a:r>
+              <a:rPr lang="en-US" sz="1800" dirty="0" smtClean="0"/>
+              <a:t>ocation </a:t>
+            </a:r>
+            <a:r>
+              <a:rPr lang="en-US" sz="1800" dirty="0"/>
+              <a:t>and status information on Display.</a:t>
             </a:r>
           </a:p>
           <a:p>
